--- a/03 - Advanced/03 - Objects and Composition/00-0-JS-Advanced-Objects-and-Composition.pptx
+++ b/03 - Advanced/03 - Objects and Composition/00-0-JS-Advanced-Objects-and-Composition.pptx
@@ -386,7 +386,7 @@
             <a:fld id="{4E087215-0C8F-4762-A664-737A353EC9A4}" type="datetimeFigureOut">
               <a:rPr lang="bg-BG" smtClean="0"/>
               <a:pPr/>
-              <a:t>18.01.2021 г.</a:t>
+              <a:t>4.5.2021 г.</a:t>
             </a:fld>
             <a:endParaRPr lang="bg-BG"/>
           </a:p>
@@ -579,7 +579,7 @@
             <a:fld id="{72D84649-876A-46C9-8472-14CB09C070D8}" type="datetimeFigureOut">
               <a:rPr lang="en-US" smtClean="0"/>
               <a:pPr/>
-              <a:t>1/18/2021</a:t>
+              <a:t>04-May-21</a:t>
             </a:fld>
             <a:endParaRPr lang="en-US"/>
           </a:p>
@@ -33231,7 +33231,7 @@
             </a:pPr>
             <a:r>
               <a:rPr lang="en-US" dirty="0"/>
-              <a:t>Destructuring can works </a:t>
+              <a:t>Destructuring can work </a:t>
             </a:r>
             <a:r>
               <a:rPr lang="en-US" b="1" dirty="0">
